--- a/finalProject_Documentation_AnsisLiu_CPEN_333_001.pptx
+++ b/finalProject_Documentation_AnsisLiu_CPEN_333_001.pptx
@@ -7967,8 +7967,8 @@
         </p:nvSpPr>
         <p:spPr>
           <a:xfrm>
-            <a:off x="838200" y="1175658"/>
-            <a:ext cx="8810897" cy="5001306"/>
+            <a:off x="314326" y="1095376"/>
+            <a:ext cx="10401299" cy="5238749"/>
           </a:xfrm>
         </p:spPr>
         <p:txBody>
@@ -7981,7 +7981,7 @@
               <a:buNone/>
             </a:pPr>
             <a:r>
-              <a:rPr lang="en-GB" sz="2000" dirty="0"/>
+              <a:rPr lang="en-GB" sz="1800" dirty="0"/>
               <a:t>	The automated warehouse system features robots that move around the warehouse to stock and deliver products between the shelves and delivery trucks. </a:t>
             </a:r>
           </a:p>
@@ -7990,7 +7990,7 @@
               <a:buNone/>
             </a:pPr>
             <a:r>
-              <a:rPr lang="en-GB" sz="2000" dirty="0"/>
+              <a:rPr lang="en-GB" sz="1800" dirty="0"/>
               <a:t>	This particular showcase divides the four robots into two groups: one group of two dedicated to fulfilling warehouse orders and another group dedicated to re-stocking the warehouse with goods. All robots move in a clock-wise circular flow-path in order to negate the possibility of any deadlock between the robots.</a:t>
             </a:r>
           </a:p>
@@ -7999,8 +7999,8 @@
               <a:buNone/>
             </a:pPr>
             <a:r>
-              <a:rPr lang="en-GB" sz="2000" dirty="0"/>
-              <a:t>	For this demonstration, there exist five types of items available for order, names items 1 to 5. </a:t>
+              <a:rPr lang="en-GB" sz="1800" dirty="0"/>
+              <a:t>	For this demonstration, there exist five types of items available for order, named items 1 to 5. </a:t>
             </a:r>
           </a:p>
           <a:p>
@@ -8008,7 +8008,7 @@
               <a:buNone/>
             </a:pPr>
             <a:r>
-              <a:rPr lang="en-GB" sz="2000" dirty="0"/>
+              <a:rPr lang="en-GB" sz="1800" dirty="0"/>
               <a:t>	A central computer dedicates itself to deciding where the robots need to move and when in order to precisely fulfil each order correctly. The central computer, itself, is divided into two threads: one handling the partition of instructions for stocking the warehouse, another handling the steps necessary to fulfil each warehouse order.</a:t>
             </a:r>
           </a:p>
@@ -8017,8 +8017,17 @@
               <a:buNone/>
             </a:pPr>
             <a:r>
-              <a:rPr lang="en-GB" sz="2000" dirty="0"/>
+              <a:rPr lang="en-GB" sz="1800" dirty="0"/>
               <a:t>	Due to time constraints and technical limitations, this showcase will utilize the console’s command window to demonstrate the features and capabilities of the program/system.</a:t>
+            </a:r>
+          </a:p>
+          <a:p>
+            <a:pPr marL="0" indent="0">
+              <a:buNone/>
+            </a:pPr>
+            <a:r>
+              <a:rPr lang="en-GB" sz="1800" dirty="0"/>
+              <a:t>	The program first initializes the data necessary to run the program. Because the warehouse is largely empty (or has any empty space), the program will automatically take stock of any empty space in the shelves as well as their positions and partition the robot instructions necessary to stock-up on inventory. Simultaneously, orders are completed one at a time and each order would be partitioned into smaller instructions for the robots to complete. When the truck is full, the warehouse experiences a delay which signifies one truck leaving and another truck coming in.</a:t>
             </a:r>
           </a:p>
         </p:txBody>
